--- a/Protokoll für Multihop-Netzwerk.pptx
+++ b/Protokoll für Multihop-Netzwerk.pptx
@@ -14,8 +14,9 @@
     <p:sldId id="265" r:id="rId8"/>
     <p:sldId id="266" r:id="rId9"/>
     <p:sldId id="258" r:id="rId10"/>
-    <p:sldId id="264" r:id="rId11"/>
-    <p:sldId id="260" r:id="rId12"/>
+    <p:sldId id="267" r:id="rId11"/>
+    <p:sldId id="264" r:id="rId12"/>
+    <p:sldId id="260" r:id="rId13"/>
   </p:sldIdLst>
   <p:sldSz cx="12192000" cy="6858000"/>
   <p:notesSz cx="6858000" cy="9144000"/>
@@ -148,6 +149,7 @@
         </p14:section>
         <p14:section name="Kommunikation (Header)" id="{26CDE18B-AF43-4938-AAC7-3ED6E04F83FD}">
           <p14:sldIdLst>
+            <p14:sldId id="267"/>
             <p14:sldId id="264"/>
           </p14:sldIdLst>
         </p14:section>
@@ -157,6 +159,9 @@
           </p14:sldIdLst>
         </p14:section>
       </p14:sectionLst>
+    </p:ext>
+    <p:ext uri="{EFAFB233-063F-42B5-8137-9DF3F51BA10A}">
+      <p15:sldGuideLst xmlns:p15="http://schemas.microsoft.com/office/powerpoint/2012/main"/>
     </p:ext>
   </p:extLst>
 </p:presentation>
@@ -293,7 +298,7 @@
           <a:p>
             <a:fld id="{81C7551C-87D9-4517-A8E5-5B728DF833E9}" type="datetimeFigureOut">
               <a:rPr lang="de-DE" smtClean="0"/>
-              <a:t>08.11.2018</a:t>
+              <a:t>09.11.2018</a:t>
             </a:fld>
             <a:endParaRPr lang="de-DE"/>
           </a:p>
@@ -463,7 +468,7 @@
           <a:p>
             <a:fld id="{81C7551C-87D9-4517-A8E5-5B728DF833E9}" type="datetimeFigureOut">
               <a:rPr lang="de-DE" smtClean="0"/>
-              <a:t>08.11.2018</a:t>
+              <a:t>09.11.2018</a:t>
             </a:fld>
             <a:endParaRPr lang="de-DE"/>
           </a:p>
@@ -643,7 +648,7 @@
           <a:p>
             <a:fld id="{81C7551C-87D9-4517-A8E5-5B728DF833E9}" type="datetimeFigureOut">
               <a:rPr lang="de-DE" smtClean="0"/>
-              <a:t>08.11.2018</a:t>
+              <a:t>09.11.2018</a:t>
             </a:fld>
             <a:endParaRPr lang="de-DE"/>
           </a:p>
@@ -821,7 +826,7 @@
           <a:p>
             <a:fld id="{81C7551C-87D9-4517-A8E5-5B728DF833E9}" type="datetimeFigureOut">
               <a:rPr lang="de-DE" smtClean="0"/>
-              <a:t>08.11.2018</a:t>
+              <a:t>09.11.2018</a:t>
             </a:fld>
             <a:endParaRPr lang="de-DE"/>
           </a:p>
@@ -1067,7 +1072,7 @@
           <a:p>
             <a:fld id="{81C7551C-87D9-4517-A8E5-5B728DF833E9}" type="datetimeFigureOut">
               <a:rPr lang="de-DE" smtClean="0"/>
-              <a:t>08.11.2018</a:t>
+              <a:t>09.11.2018</a:t>
             </a:fld>
             <a:endParaRPr lang="de-DE"/>
           </a:p>
@@ -1299,7 +1304,7 @@
           <a:p>
             <a:fld id="{81C7551C-87D9-4517-A8E5-5B728DF833E9}" type="datetimeFigureOut">
               <a:rPr lang="de-DE" smtClean="0"/>
-              <a:t>08.11.2018</a:t>
+              <a:t>09.11.2018</a:t>
             </a:fld>
             <a:endParaRPr lang="de-DE"/>
           </a:p>
@@ -1666,7 +1671,7 @@
           <a:p>
             <a:fld id="{81C7551C-87D9-4517-A8E5-5B728DF833E9}" type="datetimeFigureOut">
               <a:rPr lang="de-DE" smtClean="0"/>
-              <a:t>08.11.2018</a:t>
+              <a:t>09.11.2018</a:t>
             </a:fld>
             <a:endParaRPr lang="de-DE"/>
           </a:p>
@@ -1784,7 +1789,7 @@
           <a:p>
             <a:fld id="{81C7551C-87D9-4517-A8E5-5B728DF833E9}" type="datetimeFigureOut">
               <a:rPr lang="de-DE" smtClean="0"/>
-              <a:t>08.11.2018</a:t>
+              <a:t>09.11.2018</a:t>
             </a:fld>
             <a:endParaRPr lang="de-DE"/>
           </a:p>
@@ -1879,7 +1884,7 @@
           <a:p>
             <a:fld id="{81C7551C-87D9-4517-A8E5-5B728DF833E9}" type="datetimeFigureOut">
               <a:rPr lang="de-DE" smtClean="0"/>
-              <a:t>08.11.2018</a:t>
+              <a:t>09.11.2018</a:t>
             </a:fld>
             <a:endParaRPr lang="de-DE"/>
           </a:p>
@@ -2156,7 +2161,7 @@
           <a:p>
             <a:fld id="{81C7551C-87D9-4517-A8E5-5B728DF833E9}" type="datetimeFigureOut">
               <a:rPr lang="de-DE" smtClean="0"/>
-              <a:t>08.11.2018</a:t>
+              <a:t>09.11.2018</a:t>
             </a:fld>
             <a:endParaRPr lang="de-DE"/>
           </a:p>
@@ -2409,7 +2414,7 @@
           <a:p>
             <a:fld id="{81C7551C-87D9-4517-A8E5-5B728DF833E9}" type="datetimeFigureOut">
               <a:rPr lang="de-DE" smtClean="0"/>
-              <a:t>08.11.2018</a:t>
+              <a:t>09.11.2018</a:t>
             </a:fld>
             <a:endParaRPr lang="de-DE"/>
           </a:p>
@@ -2622,7 +2627,7 @@
           <a:p>
             <a:fld id="{81C7551C-87D9-4517-A8E5-5B728DF833E9}" type="datetimeFigureOut">
               <a:rPr lang="de-DE" smtClean="0"/>
-              <a:t>08.11.2018</a:t>
+              <a:t>09.11.2018</a:t>
             </a:fld>
             <a:endParaRPr lang="de-DE"/>
           </a:p>
@@ -3072,24 +3077,93 @@
             <p:ph type="ctrTitle"/>
           </p:nvPr>
         </p:nvSpPr>
-        <p:spPr/>
-        <p:txBody>
-          <a:bodyPr/>
-          <a:lstStyle/>
-          <a:p>
+        <p:spPr>
+          <a:xfrm>
+            <a:off x="697832" y="1122363"/>
+            <a:ext cx="10796336" cy="2387600"/>
+          </a:xfrm>
+        </p:spPr>
+        <p:txBody>
+          <a:bodyPr>
+            <a:normAutofit/>
+          </a:bodyPr>
+          <a:lstStyle/>
+          <a:p>
+            <a:r>
+              <a:rPr lang="de-DE" sz="4400" dirty="0" smtClean="0"/>
+              <a:t>HTW </a:t>
+            </a:r>
+            <a:r>
+              <a:rPr lang="de-DE" sz="4400" dirty="0" err="1" smtClean="0"/>
+              <a:t>Unlimited</a:t>
+            </a:r>
+            <a:r>
+              <a:rPr lang="de-DE" sz="4400" dirty="0" smtClean="0"/>
+              <a:t> Hops Network Protocol</a:t>
+            </a:r>
+            <a:br>
+              <a:rPr lang="de-DE" sz="4400" dirty="0" smtClean="0"/>
+            </a:br>
+            <a:r>
+              <a:rPr lang="de-DE" sz="4400" dirty="0" smtClean="0"/>
+              <a:t>(</a:t>
+            </a:r>
+            <a:r>
+              <a:rPr lang="de-DE" sz="4400" dirty="0"/>
+              <a:t>HUHN-P</a:t>
+            </a:r>
+            <a:r>
+              <a:rPr lang="de-DE" sz="4400" dirty="0" smtClean="0"/>
+              <a:t>)</a:t>
+            </a:r>
             <a:r>
               <a:rPr lang="de-DE" dirty="0" smtClean="0"/>
-              <a:t>Protokoll für </a:t>
-            </a:r>
-            <a:r>
-              <a:rPr lang="de-DE" dirty="0" err="1" smtClean="0"/>
+              <a:t/>
+            </a:r>
+            <a:br>
+              <a:rPr lang="de-DE" dirty="0" smtClean="0"/>
+            </a:br>
+            <a:r>
+              <a:rPr lang="de-DE" sz="3200" dirty="0" smtClean="0">
+                <a:solidFill>
+                  <a:schemeClr val="accent6">
+                    <a:lumMod val="60000"/>
+                    <a:lumOff val="40000"/>
+                  </a:schemeClr>
+                </a:solidFill>
+              </a:rPr>
+              <a:t>Protokoll für ein </a:t>
+            </a:r>
+            <a:r>
+              <a:rPr lang="de-DE" sz="3200" dirty="0" err="1" smtClean="0">
+                <a:solidFill>
+                  <a:schemeClr val="accent6">
+                    <a:lumMod val="60000"/>
+                    <a:lumOff val="40000"/>
+                  </a:schemeClr>
+                </a:solidFill>
+              </a:rPr>
               <a:t>Multihop</a:t>
             </a:r>
             <a:r>
-              <a:rPr lang="de-DE" dirty="0" smtClean="0"/>
+              <a:rPr lang="de-DE" sz="3200" dirty="0" smtClean="0">
+                <a:solidFill>
+                  <a:schemeClr val="accent6">
+                    <a:lumMod val="60000"/>
+                    <a:lumOff val="40000"/>
+                  </a:schemeClr>
+                </a:solidFill>
+              </a:rPr>
               <a:t>-Netzwerk</a:t>
             </a:r>
-            <a:endParaRPr lang="de-DE" dirty="0"/>
+            <a:endParaRPr lang="de-DE" sz="4900" dirty="0">
+              <a:solidFill>
+                <a:schemeClr val="accent6">
+                  <a:lumMod val="60000"/>
+                  <a:lumOff val="40000"/>
+                </a:schemeClr>
+              </a:solidFill>
+            </a:endParaRPr>
           </a:p>
         </p:txBody>
       </p:sp>
@@ -3185,7 +3259,676 @@
           <a:p>
             <a:r>
               <a:rPr lang="de-DE" dirty="0" smtClean="0"/>
-              <a:t>Codierung von Nachrichten (AT)</a:t>
+              <a:t>Headerentwurf</a:t>
+            </a:r>
+            <a:endParaRPr lang="de-DE" dirty="0"/>
+          </a:p>
+        </p:txBody>
+      </p:sp>
+      <p:sp>
+        <p:nvSpPr>
+          <p:cNvPr id="4" name="Rechteck 3"/>
+          <p:cNvSpPr/>
+          <p:nvPr/>
+        </p:nvSpPr>
+        <p:spPr>
+          <a:xfrm>
+            <a:off x="1331495" y="2117558"/>
+            <a:ext cx="7724274" cy="3136232"/>
+          </a:xfrm>
+          <a:prstGeom prst="rect">
+            <a:avLst/>
+          </a:prstGeom>
+          <a:noFill/>
+        </p:spPr>
+        <p:style>
+          <a:lnRef idx="2">
+            <a:schemeClr val="accent1">
+              <a:shade val="50000"/>
+            </a:schemeClr>
+          </a:lnRef>
+          <a:fillRef idx="1">
+            <a:schemeClr val="accent1"/>
+          </a:fillRef>
+          <a:effectRef idx="0">
+            <a:schemeClr val="accent1"/>
+          </a:effectRef>
+          <a:fontRef idx="minor">
+            <a:schemeClr val="lt1"/>
+          </a:fontRef>
+        </p:style>
+        <p:txBody>
+          <a:bodyPr rtlCol="0" anchor="ctr"/>
+          <a:lstStyle/>
+          <a:p>
+            <a:pPr algn="ctr"/>
+            <a:endParaRPr lang="de-DE"/>
+          </a:p>
+        </p:txBody>
+      </p:sp>
+      <p:sp>
+        <p:nvSpPr>
+          <p:cNvPr id="5" name="Rechteck 4"/>
+          <p:cNvSpPr/>
+          <p:nvPr/>
+        </p:nvSpPr>
+        <p:spPr>
+          <a:xfrm>
+            <a:off x="1331495" y="2117558"/>
+            <a:ext cx="7724273" cy="705852"/>
+          </a:xfrm>
+          <a:prstGeom prst="rect">
+            <a:avLst/>
+          </a:prstGeom>
+          <a:noFill/>
+        </p:spPr>
+        <p:style>
+          <a:lnRef idx="2">
+            <a:schemeClr val="accent1">
+              <a:shade val="50000"/>
+            </a:schemeClr>
+          </a:lnRef>
+          <a:fillRef idx="1">
+            <a:schemeClr val="accent1"/>
+          </a:fillRef>
+          <a:effectRef idx="0">
+            <a:schemeClr val="accent1"/>
+          </a:effectRef>
+          <a:fontRef idx="minor">
+            <a:schemeClr val="lt1"/>
+          </a:fontRef>
+        </p:style>
+        <p:txBody>
+          <a:bodyPr rtlCol="0" anchor="ctr"/>
+          <a:lstStyle/>
+          <a:p>
+            <a:pPr algn="ctr"/>
+            <a:endParaRPr lang="de-DE"/>
+          </a:p>
+        </p:txBody>
+      </p:sp>
+      <p:sp>
+        <p:nvSpPr>
+          <p:cNvPr id="6" name="Rechteck 5"/>
+          <p:cNvSpPr/>
+          <p:nvPr/>
+        </p:nvSpPr>
+        <p:spPr>
+          <a:xfrm>
+            <a:off x="1331495" y="2117558"/>
+            <a:ext cx="1243263" cy="705852"/>
+          </a:xfrm>
+          <a:prstGeom prst="rect">
+            <a:avLst/>
+          </a:prstGeom>
+          <a:noFill/>
+        </p:spPr>
+        <p:style>
+          <a:lnRef idx="2">
+            <a:schemeClr val="accent1">
+              <a:shade val="50000"/>
+            </a:schemeClr>
+          </a:lnRef>
+          <a:fillRef idx="1">
+            <a:schemeClr val="accent1"/>
+          </a:fillRef>
+          <a:effectRef idx="0">
+            <a:schemeClr val="accent1"/>
+          </a:effectRef>
+          <a:fontRef idx="minor">
+            <a:schemeClr val="lt1"/>
+          </a:fontRef>
+        </p:style>
+        <p:txBody>
+          <a:bodyPr rtlCol="0" anchor="ctr"/>
+          <a:lstStyle/>
+          <a:p>
+            <a:pPr algn="ctr"/>
+            <a:endParaRPr lang="de-DE"/>
+          </a:p>
+        </p:txBody>
+      </p:sp>
+      <p:sp>
+        <p:nvSpPr>
+          <p:cNvPr id="7" name="Rechteck 6"/>
+          <p:cNvSpPr/>
+          <p:nvPr/>
+        </p:nvSpPr>
+        <p:spPr>
+          <a:xfrm>
+            <a:off x="2574758" y="2117558"/>
+            <a:ext cx="1219200" cy="705852"/>
+          </a:xfrm>
+          <a:prstGeom prst="rect">
+            <a:avLst/>
+          </a:prstGeom>
+          <a:noFill/>
+        </p:spPr>
+        <p:style>
+          <a:lnRef idx="2">
+            <a:schemeClr val="accent1">
+              <a:shade val="50000"/>
+            </a:schemeClr>
+          </a:lnRef>
+          <a:fillRef idx="1">
+            <a:schemeClr val="accent1"/>
+          </a:fillRef>
+          <a:effectRef idx="0">
+            <a:schemeClr val="accent1"/>
+          </a:effectRef>
+          <a:fontRef idx="minor">
+            <a:schemeClr val="lt1"/>
+          </a:fontRef>
+        </p:style>
+        <p:txBody>
+          <a:bodyPr rtlCol="0" anchor="ctr"/>
+          <a:lstStyle/>
+          <a:p>
+            <a:pPr algn="ctr"/>
+            <a:endParaRPr lang="de-DE"/>
+          </a:p>
+        </p:txBody>
+      </p:sp>
+      <p:sp>
+        <p:nvSpPr>
+          <p:cNvPr id="8" name="Rechteck 7"/>
+          <p:cNvSpPr/>
+          <p:nvPr/>
+        </p:nvSpPr>
+        <p:spPr>
+          <a:xfrm>
+            <a:off x="3793958" y="2117558"/>
+            <a:ext cx="1243263" cy="705852"/>
+          </a:xfrm>
+          <a:prstGeom prst="rect">
+            <a:avLst/>
+          </a:prstGeom>
+          <a:noFill/>
+        </p:spPr>
+        <p:style>
+          <a:lnRef idx="2">
+            <a:schemeClr val="accent1">
+              <a:shade val="50000"/>
+            </a:schemeClr>
+          </a:lnRef>
+          <a:fillRef idx="1">
+            <a:schemeClr val="accent1"/>
+          </a:fillRef>
+          <a:effectRef idx="0">
+            <a:schemeClr val="accent1"/>
+          </a:effectRef>
+          <a:fontRef idx="minor">
+            <a:schemeClr val="lt1"/>
+          </a:fontRef>
+        </p:style>
+        <p:txBody>
+          <a:bodyPr rtlCol="0" anchor="ctr"/>
+          <a:lstStyle/>
+          <a:p>
+            <a:pPr algn="ctr"/>
+            <a:endParaRPr lang="de-DE"/>
+          </a:p>
+        </p:txBody>
+      </p:sp>
+      <p:sp>
+        <p:nvSpPr>
+          <p:cNvPr id="9" name="Rechteck 8"/>
+          <p:cNvSpPr/>
+          <p:nvPr/>
+        </p:nvSpPr>
+        <p:spPr>
+          <a:xfrm>
+            <a:off x="5037221" y="2117558"/>
+            <a:ext cx="1243263" cy="705852"/>
+          </a:xfrm>
+          <a:prstGeom prst="rect">
+            <a:avLst/>
+          </a:prstGeom>
+          <a:noFill/>
+        </p:spPr>
+        <p:style>
+          <a:lnRef idx="2">
+            <a:schemeClr val="accent1">
+              <a:shade val="50000"/>
+            </a:schemeClr>
+          </a:lnRef>
+          <a:fillRef idx="1">
+            <a:schemeClr val="accent1"/>
+          </a:fillRef>
+          <a:effectRef idx="0">
+            <a:schemeClr val="accent1"/>
+          </a:effectRef>
+          <a:fontRef idx="minor">
+            <a:schemeClr val="lt1"/>
+          </a:fontRef>
+        </p:style>
+        <p:txBody>
+          <a:bodyPr rtlCol="0" anchor="ctr"/>
+          <a:lstStyle/>
+          <a:p>
+            <a:pPr algn="ctr"/>
+            <a:endParaRPr lang="de-DE"/>
+          </a:p>
+        </p:txBody>
+      </p:sp>
+      <p:sp>
+        <p:nvSpPr>
+          <p:cNvPr id="10" name="Rechteck 9"/>
+          <p:cNvSpPr/>
+          <p:nvPr/>
+        </p:nvSpPr>
+        <p:spPr>
+          <a:xfrm>
+            <a:off x="6280484" y="2117558"/>
+            <a:ext cx="1243263" cy="705852"/>
+          </a:xfrm>
+          <a:prstGeom prst="rect">
+            <a:avLst/>
+          </a:prstGeom>
+          <a:noFill/>
+        </p:spPr>
+        <p:style>
+          <a:lnRef idx="2">
+            <a:schemeClr val="accent1">
+              <a:shade val="50000"/>
+            </a:schemeClr>
+          </a:lnRef>
+          <a:fillRef idx="1">
+            <a:schemeClr val="accent1"/>
+          </a:fillRef>
+          <a:effectRef idx="0">
+            <a:schemeClr val="accent1"/>
+          </a:effectRef>
+          <a:fontRef idx="minor">
+            <a:schemeClr val="lt1"/>
+          </a:fontRef>
+        </p:style>
+        <p:txBody>
+          <a:bodyPr rtlCol="0" anchor="ctr"/>
+          <a:lstStyle/>
+          <a:p>
+            <a:pPr algn="ctr"/>
+            <a:endParaRPr lang="de-DE"/>
+          </a:p>
+        </p:txBody>
+      </p:sp>
+      <p:sp>
+        <p:nvSpPr>
+          <p:cNvPr id="11" name="Rechteck 10"/>
+          <p:cNvSpPr/>
+          <p:nvPr/>
+        </p:nvSpPr>
+        <p:spPr>
+          <a:xfrm>
+            <a:off x="7523747" y="2117558"/>
+            <a:ext cx="1532021" cy="705852"/>
+          </a:xfrm>
+          <a:prstGeom prst="rect">
+            <a:avLst/>
+          </a:prstGeom>
+          <a:noFill/>
+        </p:spPr>
+        <p:style>
+          <a:lnRef idx="2">
+            <a:schemeClr val="accent1">
+              <a:shade val="50000"/>
+            </a:schemeClr>
+          </a:lnRef>
+          <a:fillRef idx="1">
+            <a:schemeClr val="accent1"/>
+          </a:fillRef>
+          <a:effectRef idx="0">
+            <a:schemeClr val="accent1"/>
+          </a:effectRef>
+          <a:fontRef idx="minor">
+            <a:schemeClr val="lt1"/>
+          </a:fontRef>
+        </p:style>
+        <p:txBody>
+          <a:bodyPr rtlCol="0" anchor="ctr"/>
+          <a:lstStyle/>
+          <a:p>
+            <a:pPr algn="ctr"/>
+            <a:endParaRPr lang="de-DE"/>
+          </a:p>
+        </p:txBody>
+      </p:sp>
+      <p:sp>
+        <p:nvSpPr>
+          <p:cNvPr id="12" name="Textfeld 11"/>
+          <p:cNvSpPr txBox="1"/>
+          <p:nvPr/>
+        </p:nvSpPr>
+        <p:spPr>
+          <a:xfrm>
+            <a:off x="1580812" y="2285818"/>
+            <a:ext cx="713209" cy="369332"/>
+          </a:xfrm>
+          <a:prstGeom prst="rect">
+            <a:avLst/>
+          </a:prstGeom>
+          <a:noFill/>
+        </p:spPr>
+        <p:txBody>
+          <a:bodyPr wrap="none" rtlCol="0">
+            <a:spAutoFit/>
+          </a:bodyPr>
+          <a:lstStyle/>
+          <a:p>
+            <a:r>
+              <a:rPr lang="de-DE" dirty="0" smtClean="0"/>
+              <a:t>CODE</a:t>
+            </a:r>
+            <a:endParaRPr lang="de-DE" dirty="0"/>
+          </a:p>
+        </p:txBody>
+      </p:sp>
+      <p:sp>
+        <p:nvSpPr>
+          <p:cNvPr id="13" name="Textfeld 12"/>
+          <p:cNvSpPr txBox="1"/>
+          <p:nvPr/>
+        </p:nvSpPr>
+        <p:spPr>
+          <a:xfrm>
+            <a:off x="4197110" y="2285818"/>
+            <a:ext cx="510011" cy="369332"/>
+          </a:xfrm>
+          <a:prstGeom prst="rect">
+            <a:avLst/>
+          </a:prstGeom>
+          <a:noFill/>
+        </p:spPr>
+        <p:txBody>
+          <a:bodyPr wrap="none" rtlCol="0">
+            <a:spAutoFit/>
+          </a:bodyPr>
+          <a:lstStyle/>
+          <a:p>
+            <a:r>
+              <a:rPr lang="de-DE" dirty="0" smtClean="0"/>
+              <a:t>TTL</a:t>
+            </a:r>
+            <a:endParaRPr lang="de-DE" dirty="0"/>
+          </a:p>
+        </p:txBody>
+      </p:sp>
+      <p:sp>
+        <p:nvSpPr>
+          <p:cNvPr id="14" name="Textfeld 13"/>
+          <p:cNvSpPr txBox="1"/>
+          <p:nvPr/>
+        </p:nvSpPr>
+        <p:spPr>
+          <a:xfrm>
+            <a:off x="5260625" y="2147317"/>
+            <a:ext cx="812402" cy="646331"/>
+          </a:xfrm>
+          <a:prstGeom prst="rect">
+            <a:avLst/>
+          </a:prstGeom>
+          <a:noFill/>
+        </p:spPr>
+        <p:txBody>
+          <a:bodyPr wrap="none" rtlCol="0">
+            <a:spAutoFit/>
+          </a:bodyPr>
+          <a:lstStyle/>
+          <a:p>
+            <a:r>
+              <a:rPr lang="de-DE" dirty="0" smtClean="0"/>
+              <a:t>Anzahl</a:t>
+            </a:r>
+          </a:p>
+          <a:p>
+            <a:r>
+              <a:rPr lang="de-DE" dirty="0" smtClean="0"/>
+              <a:t>Hops</a:t>
+            </a:r>
+            <a:endParaRPr lang="de-DE" dirty="0"/>
+          </a:p>
+        </p:txBody>
+      </p:sp>
+      <p:sp>
+        <p:nvSpPr>
+          <p:cNvPr id="15" name="Textfeld 14"/>
+          <p:cNvSpPr txBox="1"/>
+          <p:nvPr/>
+        </p:nvSpPr>
+        <p:spPr>
+          <a:xfrm>
+            <a:off x="4494060" y="3501008"/>
+            <a:ext cx="916020" cy="369332"/>
+          </a:xfrm>
+          <a:prstGeom prst="rect">
+            <a:avLst/>
+          </a:prstGeom>
+          <a:noFill/>
+        </p:spPr>
+        <p:txBody>
+          <a:bodyPr wrap="none" rtlCol="0">
+            <a:spAutoFit/>
+          </a:bodyPr>
+          <a:lstStyle/>
+          <a:p>
+            <a:r>
+              <a:rPr lang="de-DE" dirty="0" smtClean="0"/>
+              <a:t>Payload</a:t>
+            </a:r>
+            <a:endParaRPr lang="de-DE" dirty="0"/>
+          </a:p>
+        </p:txBody>
+      </p:sp>
+      <p:sp>
+        <p:nvSpPr>
+          <p:cNvPr id="16" name="Textfeld 15"/>
+          <p:cNvSpPr txBox="1"/>
+          <p:nvPr/>
+        </p:nvSpPr>
+        <p:spPr>
+          <a:xfrm>
+            <a:off x="2755995" y="2285817"/>
+            <a:ext cx="891591" cy="369332"/>
+          </a:xfrm>
+          <a:prstGeom prst="rect">
+            <a:avLst/>
+          </a:prstGeom>
+          <a:noFill/>
+        </p:spPr>
+        <p:txBody>
+          <a:bodyPr wrap="none" rtlCol="0">
+            <a:spAutoFit/>
+          </a:bodyPr>
+          <a:lstStyle/>
+          <a:p>
+            <a:r>
+              <a:rPr lang="de-DE" dirty="0" err="1" smtClean="0"/>
+              <a:t>Msg</a:t>
+            </a:r>
+            <a:r>
+              <a:rPr lang="de-DE" dirty="0" smtClean="0"/>
+              <a:t>. ID</a:t>
+            </a:r>
+            <a:endParaRPr lang="de-DE" dirty="0"/>
+          </a:p>
+        </p:txBody>
+      </p:sp>
+      <p:sp>
+        <p:nvSpPr>
+          <p:cNvPr id="17" name="Textfeld 16"/>
+          <p:cNvSpPr txBox="1"/>
+          <p:nvPr/>
+        </p:nvSpPr>
+        <p:spPr>
+          <a:xfrm>
+            <a:off x="6834192" y="2285817"/>
+            <a:ext cx="292068" cy="369332"/>
+          </a:xfrm>
+          <a:prstGeom prst="rect">
+            <a:avLst/>
+          </a:prstGeom>
+          <a:noFill/>
+        </p:spPr>
+        <p:txBody>
+          <a:bodyPr wrap="none" rtlCol="0">
+            <a:spAutoFit/>
+          </a:bodyPr>
+          <a:lstStyle/>
+          <a:p>
+            <a:r>
+              <a:rPr lang="de-DE" dirty="0" smtClean="0"/>
+              <a:t>?</a:t>
+            </a:r>
+            <a:endParaRPr lang="de-DE" dirty="0"/>
+          </a:p>
+        </p:txBody>
+      </p:sp>
+      <p:sp>
+        <p:nvSpPr>
+          <p:cNvPr id="18" name="Textfeld 17"/>
+          <p:cNvSpPr txBox="1"/>
+          <p:nvPr/>
+        </p:nvSpPr>
+        <p:spPr>
+          <a:xfrm>
+            <a:off x="8143723" y="2285817"/>
+            <a:ext cx="292068" cy="369332"/>
+          </a:xfrm>
+          <a:prstGeom prst="rect">
+            <a:avLst/>
+          </a:prstGeom>
+          <a:noFill/>
+        </p:spPr>
+        <p:txBody>
+          <a:bodyPr wrap="none" rtlCol="0">
+            <a:spAutoFit/>
+          </a:bodyPr>
+          <a:lstStyle/>
+          <a:p>
+            <a:r>
+              <a:rPr lang="de-DE" dirty="0" smtClean="0"/>
+              <a:t>?</a:t>
+            </a:r>
+            <a:endParaRPr lang="de-DE" dirty="0"/>
+          </a:p>
+        </p:txBody>
+      </p:sp>
+      <p:sp>
+        <p:nvSpPr>
+          <p:cNvPr id="19" name="Textfeld 18"/>
+          <p:cNvSpPr txBox="1"/>
+          <p:nvPr/>
+        </p:nvSpPr>
+        <p:spPr>
+          <a:xfrm>
+            <a:off x="1411278" y="1748226"/>
+            <a:ext cx="1083695" cy="369332"/>
+          </a:xfrm>
+          <a:prstGeom prst="rect">
+            <a:avLst/>
+          </a:prstGeom>
+          <a:noFill/>
+        </p:spPr>
+        <p:txBody>
+          <a:bodyPr wrap="none" rtlCol="0">
+            <a:spAutoFit/>
+          </a:bodyPr>
+          <a:lstStyle/>
+          <a:p>
+            <a:r>
+              <a:rPr lang="de-DE" dirty="0" smtClean="0"/>
+              <a:t>4 Zeichen</a:t>
+            </a:r>
+            <a:endParaRPr lang="de-DE" dirty="0"/>
+          </a:p>
+        </p:txBody>
+      </p:sp>
+      <p:sp>
+        <p:nvSpPr>
+          <p:cNvPr id="20" name="Textfeld 19"/>
+          <p:cNvSpPr txBox="1"/>
+          <p:nvPr/>
+        </p:nvSpPr>
+        <p:spPr>
+          <a:xfrm>
+            <a:off x="2654541" y="1748226"/>
+            <a:ext cx="965329" cy="369332"/>
+          </a:xfrm>
+          <a:prstGeom prst="rect">
+            <a:avLst/>
+          </a:prstGeom>
+          <a:noFill/>
+        </p:spPr>
+        <p:txBody>
+          <a:bodyPr wrap="none" rtlCol="0">
+            <a:spAutoFit/>
+          </a:bodyPr>
+          <a:lstStyle/>
+          <a:p>
+            <a:r>
+              <a:rPr lang="de-DE" dirty="0" smtClean="0"/>
+              <a:t>4 Ziffern</a:t>
+            </a:r>
+            <a:endParaRPr lang="de-DE" dirty="0"/>
+          </a:p>
+        </p:txBody>
+      </p:sp>
+    </p:spTree>
+    <p:extLst>
+      <p:ext uri="{BB962C8B-B14F-4D97-AF65-F5344CB8AC3E}">
+        <p14:creationId xmlns:p14="http://schemas.microsoft.com/office/powerpoint/2010/main" val="22919138"/>
+      </p:ext>
+    </p:extLst>
+  </p:cSld>
+  <p:clrMapOvr>
+    <a:masterClrMapping/>
+  </p:clrMapOvr>
+</p:sld>
+</file>
+
+<file path=ppt/slides/slide11.xml><?xml version="1.0" encoding="utf-8"?>
+<p:sld xmlns:a="http://schemas.openxmlformats.org/drawingml/2006/main" xmlns:r="http://schemas.openxmlformats.org/officeDocument/2006/relationships" xmlns:p="http://schemas.openxmlformats.org/presentationml/2006/main">
+  <p:cSld>
+    <p:spTree>
+      <p:nvGrpSpPr>
+        <p:cNvPr id="1" name=""/>
+        <p:cNvGrpSpPr/>
+        <p:nvPr/>
+      </p:nvGrpSpPr>
+      <p:grpSpPr>
+        <a:xfrm>
+          <a:off x="0" y="0"/>
+          <a:ext cx="0" cy="0"/>
+          <a:chOff x="0" y="0"/>
+          <a:chExt cx="0" cy="0"/>
+        </a:xfrm>
+      </p:grpSpPr>
+      <p:sp>
+        <p:nvSpPr>
+          <p:cNvPr id="2" name="Titel 1"/>
+          <p:cNvSpPr>
+            <a:spLocks noGrp="1"/>
+          </p:cNvSpPr>
+          <p:nvPr>
+            <p:ph type="title"/>
+          </p:nvPr>
+        </p:nvSpPr>
+        <p:spPr/>
+        <p:txBody>
+          <a:bodyPr/>
+          <a:lstStyle/>
+          <a:p>
+            <a:r>
+              <a:rPr lang="de-DE" dirty="0" smtClean="0"/>
+              <a:t>Steuerbefehle </a:t>
+            </a:r>
+            <a:r>
+              <a:rPr lang="de-DE" dirty="0" smtClean="0"/>
+              <a:t>von Nachrichten </a:t>
+            </a:r>
+            <a:r>
+              <a:rPr lang="de-DE" dirty="0" smtClean="0"/>
+              <a:t>(CODE)</a:t>
             </a:r>
             <a:endParaRPr lang="de-DE" dirty="0"/>
           </a:p>
@@ -3228,14 +3971,14 @@
           <p:nvPr>
             <p:extLst>
               <p:ext uri="{D42A27DB-BD31-4B8C-83A1-F6EECF244321}">
-                <p14:modId xmlns:p14="http://schemas.microsoft.com/office/powerpoint/2010/main" val="3838908458"/>
+                <p14:modId xmlns:p14="http://schemas.microsoft.com/office/powerpoint/2010/main" val="4255006359"/>
               </p:ext>
             </p:extLst>
           </p:nvPr>
         </p:nvGraphicFramePr>
         <p:xfrm>
           <a:off x="457200" y="2211583"/>
-          <a:ext cx="10972801" cy="3779520"/>
+          <a:ext cx="10972801" cy="3947160"/>
         </p:xfrm>
         <a:graphic>
           <a:graphicData uri="http://schemas.openxmlformats.org/drawingml/2006/table">
@@ -3289,7 +4032,18 @@
                       </a:r>
                       <a:r>
                         <a:rPr lang="de-DE" dirty="0" smtClean="0"/>
-                        <a:t>? Bytes?)</a:t>
+                        <a:t>? Bytes</a:t>
+                      </a:r>
+                      <a:r>
+                        <a:rPr lang="de-DE" dirty="0" smtClean="0"/>
+                        <a:t>?)</a:t>
+                      </a:r>
+                      <a:br>
+                        <a:rPr lang="de-DE" dirty="0" smtClean="0"/>
+                      </a:br>
+                      <a:r>
+                        <a:rPr lang="de-DE" dirty="0" smtClean="0"/>
+                        <a:t>(Immer 4?)</a:t>
                       </a:r>
                       <a:endParaRPr lang="de-DE" dirty="0"/>
                     </a:p>
@@ -3406,7 +4160,7 @@
                       <a:pPr algn="ctr"/>
                       <a:r>
                         <a:rPr lang="de-DE" dirty="0" smtClean="0"/>
-                        <a:t>DISC</a:t>
+                        <a:t>KDIS</a:t>
                       </a:r>
                       <a:endParaRPr lang="de-DE" dirty="0"/>
                     </a:p>
@@ -3485,7 +4239,11 @@
                       </a:r>
                       <a:r>
                         <a:rPr lang="de-DE" baseline="0" dirty="0" smtClean="0"/>
-                        <a:t> Knoten versucht, Koordinator zu finden</a:t>
+                        <a:t> Knoten versucht, Koordinator zu </a:t>
+                      </a:r>
+                      <a:r>
+                        <a:rPr lang="de-DE" baseline="0" dirty="0" smtClean="0"/>
+                        <a:t>finden ( wäre notwendig, falls der Koordinator KEINE Feste Adresse wie 1111 hätte)</a:t>
                       </a:r>
                       <a:endParaRPr lang="de-DE" dirty="0" smtClean="0"/>
                     </a:p>
@@ -3567,7 +4325,11 @@
                       </a:r>
                       <a:r>
                         <a:rPr lang="de-DE" baseline="0" dirty="0" smtClean="0"/>
-                        <a:t> feste Adresse. </a:t>
+                        <a:t> feste </a:t>
+                      </a:r>
+                      <a:r>
+                        <a:rPr lang="de-DE" baseline="0" dirty="0" smtClean="0"/>
+                        <a:t>Adresse XXXX. </a:t>
                       </a:r>
                       <a:r>
                         <a:rPr lang="de-DE" dirty="0" smtClean="0"/>
@@ -3592,7 +4354,7 @@
                       <a:pPr algn="ctr"/>
                       <a:r>
                         <a:rPr lang="de-DE" dirty="0" smtClean="0"/>
-                        <a:t>TO</a:t>
+                        <a:t>MSSG</a:t>
                       </a:r>
                       <a:endParaRPr lang="de-DE" dirty="0"/>
                     </a:p>
@@ -3604,6 +4366,10 @@
                     <a:bodyPr/>
                     <a:lstStyle/>
                     <a:p>
+                      <a:r>
+                        <a:rPr lang="de-DE" dirty="0" smtClean="0"/>
+                        <a:t>XXXX + Nachricht</a:t>
+                      </a:r>
                       <a:endParaRPr lang="de-DE" dirty="0"/>
                     </a:p>
                   </a:txBody>
@@ -3627,7 +4393,11 @@
                     <a:p>
                       <a:r>
                         <a:rPr lang="de-DE" dirty="0" smtClean="0"/>
-                        <a:t>Einfache Nachricht an {}ohne weitere Bedeutung</a:t>
+                        <a:t>Einfache Nachricht an </a:t>
+                      </a:r>
+                      <a:r>
+                        <a:rPr lang="de-DE" dirty="0" smtClean="0"/>
+                        <a:t>{XXXX} </a:t>
                       </a:r>
                       <a:endParaRPr lang="de-DE" dirty="0"/>
                     </a:p>
@@ -3684,7 +4454,11 @@
                     <a:p>
                       <a:r>
                         <a:rPr lang="de-DE" dirty="0" smtClean="0"/>
-                        <a:t>Selbstanfrage</a:t>
+                        <a:t>Selbstanfrage zur</a:t>
+                      </a:r>
+                      <a:r>
+                        <a:rPr lang="de-DE" baseline="0" dirty="0" smtClean="0"/>
+                        <a:t> Sicherstellung der eindeutigen Adresse</a:t>
                       </a:r>
                       <a:endParaRPr lang="de-DE" dirty="0"/>
                     </a:p>
@@ -3694,6 +4468,71 @@
                 <a:extLst>
                   <a:ext uri="{0D108BD9-81ED-4DB2-BD59-A6C34878D82A}">
                     <a16:rowId xmlns:a16="http://schemas.microsoft.com/office/drawing/2014/main" val="726177070"/>
+                  </a:ext>
+                </a:extLst>
+              </a:tr>
+              <a:tr h="370840">
+                <a:tc>
+                  <a:txBody>
+                    <a:bodyPr/>
+                    <a:lstStyle/>
+                    <a:p>
+                      <a:pPr algn="ctr"/>
+                      <a:r>
+                        <a:rPr lang="de-DE" dirty="0" smtClean="0"/>
+                        <a:t>DISC</a:t>
+                      </a:r>
+                      <a:endParaRPr lang="de-DE" dirty="0"/>
+                    </a:p>
+                  </a:txBody>
+                  <a:tcPr/>
+                </a:tc>
+                <a:tc>
+                  <a:txBody>
+                    <a:bodyPr/>
+                    <a:lstStyle/>
+                    <a:p>
+                      <a:endParaRPr lang="de-DE" dirty="0"/>
+                    </a:p>
+                  </a:txBody>
+                  <a:tcPr/>
+                </a:tc>
+                <a:tc>
+                  <a:txBody>
+                    <a:bodyPr/>
+                    <a:lstStyle/>
+                    <a:p>
+                      <a:pPr algn="ctr"/>
+                      <a:r>
+                        <a:rPr lang="de-DE" dirty="0" smtClean="0"/>
+                        <a:t>Ja</a:t>
+                      </a:r>
+                      <a:endParaRPr lang="de-DE" dirty="0"/>
+                    </a:p>
+                  </a:txBody>
+                  <a:tcPr/>
+                </a:tc>
+                <a:tc>
+                  <a:txBody>
+                    <a:bodyPr/>
+                    <a:lstStyle/>
+                    <a:p>
+                      <a:r>
+                        <a:rPr lang="de-DE" dirty="0" smtClean="0"/>
+                        <a:t>Entdeckung</a:t>
+                      </a:r>
+                      <a:r>
+                        <a:rPr lang="de-DE" baseline="0" dirty="0" smtClean="0"/>
+                        <a:t> von allen Nachbarn</a:t>
+                      </a:r>
+                      <a:endParaRPr lang="de-DE" dirty="0"/>
+                    </a:p>
+                  </a:txBody>
+                  <a:tcPr/>
+                </a:tc>
+                <a:extLst>
+                  <a:ext uri="{0D108BD9-81ED-4DB2-BD59-A6C34878D82A}">
+                    <a16:rowId xmlns:a16="http://schemas.microsoft.com/office/drawing/2014/main" val="4273826389"/>
                   </a:ext>
                 </a:extLst>
               </a:tr>
@@ -3741,106 +4580,12 @@
                     <a:p>
                       <a:r>
                         <a:rPr lang="de-DE" dirty="0" smtClean="0"/>
-                        <a:t>Anfrage, </a:t>
+                        <a:t>Anfrage,</a:t>
                       </a:r>
-                      <a:endParaRPr lang="de-DE" dirty="0"/>
-                    </a:p>
-                  </a:txBody>
-                  <a:tcPr/>
-                </a:tc>
-                <a:extLst>
-                  <a:ext uri="{0D108BD9-81ED-4DB2-BD59-A6C34878D82A}">
-                    <a16:rowId xmlns:a16="http://schemas.microsoft.com/office/drawing/2014/main" val="518659897"/>
-                  </a:ext>
-                </a:extLst>
-              </a:tr>
-              <a:tr h="370840">
-                <a:tc>
-                  <a:txBody>
-                    <a:bodyPr/>
-                    <a:lstStyle/>
-                    <a:p>
-                      <a:pPr algn="ctr"/>
-                      <a:endParaRPr lang="de-DE" dirty="0"/>
-                    </a:p>
-                  </a:txBody>
-                  <a:tcPr/>
-                </a:tc>
-                <a:tc>
-                  <a:txBody>
-                    <a:bodyPr/>
-                    <a:lstStyle/>
-                    <a:p>
-                      <a:endParaRPr lang="de-DE" dirty="0"/>
-                    </a:p>
-                  </a:txBody>
-                  <a:tcPr/>
-                </a:tc>
-                <a:tc>
-                  <a:txBody>
-                    <a:bodyPr/>
-                    <a:lstStyle/>
-                    <a:p>
-                      <a:pPr algn="ctr"/>
-                      <a:endParaRPr lang="de-DE" dirty="0"/>
-                    </a:p>
-                  </a:txBody>
-                  <a:tcPr/>
-                </a:tc>
-                <a:tc>
-                  <a:txBody>
-                    <a:bodyPr/>
-                    <a:lstStyle/>
-                    <a:p>
-                      <a:endParaRPr lang="de-DE"/>
-                    </a:p>
-                  </a:txBody>
-                  <a:tcPr/>
-                </a:tc>
-                <a:extLst>
-                  <a:ext uri="{0D108BD9-81ED-4DB2-BD59-A6C34878D82A}">
-                    <a16:rowId xmlns:a16="http://schemas.microsoft.com/office/drawing/2014/main" val="4273826389"/>
-                  </a:ext>
-                </a:extLst>
-              </a:tr>
-              <a:tr h="370840">
-                <a:tc>
-                  <a:txBody>
-                    <a:bodyPr/>
-                    <a:lstStyle/>
-                    <a:p>
-                      <a:pPr algn="ctr"/>
-                      <a:endParaRPr lang="de-DE" dirty="0"/>
-                    </a:p>
-                  </a:txBody>
-                  <a:tcPr/>
-                </a:tc>
-                <a:tc>
-                  <a:txBody>
-                    <a:bodyPr/>
-                    <a:lstStyle/>
-                    <a:p>
-                      <a:endParaRPr lang="de-DE" dirty="0"/>
-                    </a:p>
-                  </a:txBody>
-                  <a:tcPr/>
-                </a:tc>
-                <a:tc>
-                  <a:txBody>
-                    <a:bodyPr/>
-                    <a:lstStyle/>
-                    <a:p>
-                      <a:pPr algn="ctr"/>
-                      <a:endParaRPr lang="de-DE" dirty="0"/>
-                    </a:p>
-                  </a:txBody>
-                  <a:tcPr/>
-                </a:tc>
-                <a:tc>
-                  <a:txBody>
-                    <a:bodyPr/>
-                    <a:lstStyle/>
-                    <a:p>
+                      <a:r>
+                        <a:rPr lang="de-DE" baseline="0" dirty="0" smtClean="0"/>
+                        <a:t> ob ein Knoten noch in der Nähe ist (Eigentlich durch DISC abgedeckt)</a:t>
+                      </a:r>
                       <a:endParaRPr lang="de-DE" dirty="0"/>
                     </a:p>
                   </a:txBody>
@@ -3869,7 +4614,7 @@
 </p:sld>
 </file>
 
-<file path=ppt/slides/slide11.xml><?xml version="1.0" encoding="utf-8"?>
+<file path=ppt/slides/slide12.xml><?xml version="1.0" encoding="utf-8"?>
 <p:sld xmlns:a="http://schemas.openxmlformats.org/drawingml/2006/main" xmlns:r="http://schemas.openxmlformats.org/officeDocument/2006/relationships" xmlns:p="http://schemas.openxmlformats.org/presentationml/2006/main">
   <p:cSld>
     <p:spTree>
@@ -7526,7 +8271,7 @@
       </p:sp>
       <p:sp>
         <p:nvSpPr>
-          <p:cNvPr id="3" name="Inhaltsplatzhalter 2"/>
+          <p:cNvPr id="4" name="Inhaltsplatzhalter 2"/>
           <p:cNvSpPr>
             <a:spLocks noGrp="1"/>
           </p:cNvSpPr>
@@ -7534,12 +8279,23 @@
             <p:ph idx="1"/>
           </p:nvPr>
         </p:nvSpPr>
-        <p:spPr/>
-        <p:txBody>
-          <a:bodyPr/>
-          <a:lstStyle/>
-          <a:p>
-            <a:endParaRPr lang="de-DE"/>
+        <p:spPr>
+          <a:xfrm>
+            <a:off x="838200" y="1349467"/>
+            <a:ext cx="10515600" cy="4351338"/>
+          </a:xfrm>
+        </p:spPr>
+        <p:txBody>
+          <a:bodyPr>
+            <a:normAutofit/>
+          </a:bodyPr>
+          <a:lstStyle/>
+          <a:p>
+            <a:r>
+              <a:rPr lang="de-DE" sz="2000" dirty="0" smtClean="0"/>
+              <a:t>Damit </a:t>
+            </a:r>
+            <a:endParaRPr lang="de-DE" sz="2000" dirty="0"/>
           </a:p>
         </p:txBody>
       </p:sp>
